--- a/8-Conclusion.pptx
+++ b/8-Conclusion.pptx
@@ -1759,7 +1759,11 @@
           <a:pPr rtl="0"/>
           <a:r>
             <a:rPr lang="en-US" baseline="0" dirty="0" smtClean="0"/>
-            <a:t>Windows Azure</a:t>
+            <a:t>Microsoft </a:t>
+          </a:r>
+          <a:r>
+            <a:rPr lang="en-US" baseline="0" dirty="0" smtClean="0"/>
+            <a:t>Azure</a:t>
           </a:r>
           <a:endParaRPr lang="en-US" dirty="0"/>
         </a:p>
@@ -2042,7 +2046,6 @@
             <a:rPr lang="en-US" sz="1800" dirty="0" smtClean="0"/>
             <a:t>Building Web Applications using the latest ASP.NET technologies</a:t>
           </a:r>
-          <a:endParaRPr lang="en-US" sz="1800" dirty="0" smtClean="0"/>
         </a:p>
       </dgm:t>
     </dgm:pt>
@@ -2079,7 +2082,6 @@
             <a:rPr lang="en-US" sz="1800" dirty="0" smtClean="0"/>
             <a:t>Building web front ends for both desktop and mobile using the latest web standards</a:t>
           </a:r>
-          <a:endParaRPr lang="en-US" sz="1800" dirty="0" smtClean="0"/>
         </a:p>
       </dgm:t>
     </dgm:pt>
@@ -2116,7 +2118,6 @@
             <a:rPr lang="en-US" sz="1800" dirty="0" smtClean="0"/>
             <a:t>API Services for both web and devices</a:t>
           </a:r>
-          <a:endParaRPr lang="en-US" sz="1800" dirty="0" smtClean="0"/>
         </a:p>
       </dgm:t>
     </dgm:pt>
@@ -2153,7 +2154,6 @@
             <a:rPr lang="en-US" sz="1800" dirty="0" smtClean="0"/>
             <a:t>Running, improving and maintaining a site in the real world</a:t>
           </a:r>
-          <a:endParaRPr lang="en-US" sz="1800" dirty="0" smtClean="0"/>
         </a:p>
       </dgm:t>
     </dgm:pt>
@@ -2190,7 +2190,6 @@
             <a:rPr lang="en-US" sz="1800" dirty="0" smtClean="0"/>
             <a:t>Real-time Communications with SignalR</a:t>
           </a:r>
-          <a:endParaRPr lang="en-US" sz="1800" dirty="0" smtClean="0"/>
         </a:p>
       </dgm:t>
     </dgm:pt>
@@ -2523,20 +2522,20 @@
     </dgm:pt>
   </dgm:ptLst>
   <dgm:cxnLst>
+    <dgm:cxn modelId="{B7E08669-60B2-4B2D-9D13-99506069B54A}" srcId="{48914873-C460-43A6-8A7F-9F5DC4D43744}" destId="{312DE6B4-F0D4-4BC3-A484-5E27BC83857C}" srcOrd="4" destOrd="0" parTransId="{1EE57FA4-84BD-4211-895C-96AD4EADAFFD}" sibTransId="{C8EDAA7C-A942-4EE9-85AC-D63CFA73981F}"/>
+    <dgm:cxn modelId="{9732441B-1070-4844-8B23-1F2A5EDFD7DA}" srcId="{48914873-C460-43A6-8A7F-9F5DC4D43744}" destId="{2A698087-0C77-46BC-BEE3-9DD62B31079B}" srcOrd="0" destOrd="0" parTransId="{545886D5-ECF3-47AB-A738-82363A11B743}" sibTransId="{DF51E2A6-ABF0-49DE-8ADB-388659769540}"/>
+    <dgm:cxn modelId="{84F558AD-3CEE-4264-99AA-B0ACD9FAF4AC}" type="presOf" srcId="{78E86AF5-BDE7-40A2-BB48-3781EBA8B21E}" destId="{B710CF74-13DC-491D-8AA7-EE713AB0A121}" srcOrd="0" destOrd="0" presId="urn:microsoft.com/office/officeart/2008/layout/VerticalCurvedList"/>
+    <dgm:cxn modelId="{AC976CB2-1B6A-40BC-B27B-643BA912EC1F}" type="presOf" srcId="{86A20244-5C10-4D99-A135-EE1FC94007AD}" destId="{3CDC6EAF-654A-40F3-B5C2-E5916E974EC3}" srcOrd="0" destOrd="0" presId="urn:microsoft.com/office/officeart/2008/layout/VerticalCurvedList"/>
+    <dgm:cxn modelId="{8EA4E683-0AF0-4FB9-B52A-4DD323BB8D99}" srcId="{48914873-C460-43A6-8A7F-9F5DC4D43744}" destId="{68987326-02A7-40EE-8530-CA56E5E2ED4A}" srcOrd="3" destOrd="0" parTransId="{56BA7FF6-9776-4C51-90F5-9AA768DE0298}" sibTransId="{5C8DD0D5-01BB-48A2-9FE5-8F8131767B95}"/>
+    <dgm:cxn modelId="{9C5CE53D-DA31-4BC6-9391-BA308C57CAEE}" type="presOf" srcId="{48914873-C460-43A6-8A7F-9F5DC4D43744}" destId="{3B73ACC1-496C-40F5-B241-D7E8E221BFF7}" srcOrd="0" destOrd="0" presId="urn:microsoft.com/office/officeart/2008/layout/VerticalCurvedList"/>
+    <dgm:cxn modelId="{EA1D3AFC-1C1E-429B-AE2D-B05F3F7F59CF}" type="presOf" srcId="{DF51E2A6-ABF0-49DE-8ADB-388659769540}" destId="{C88AC33A-9E7B-48FE-AA69-CF0915BA28B4}" srcOrd="0" destOrd="0" presId="urn:microsoft.com/office/officeart/2008/layout/VerticalCurvedList"/>
+    <dgm:cxn modelId="{43084F21-5AEB-4309-9A04-2B594CA57D90}" type="presOf" srcId="{C21281DC-F931-4E9C-942D-AD3EB61A6EA2}" destId="{F4DCD2E3-C30A-4106-8870-66D02E4ED2D8}" srcOrd="0" destOrd="0" presId="urn:microsoft.com/office/officeart/2008/layout/VerticalCurvedList"/>
+    <dgm:cxn modelId="{F6674D8B-17C7-44AD-9FE9-263237AFB7C8}" srcId="{48914873-C460-43A6-8A7F-9F5DC4D43744}" destId="{C21281DC-F931-4E9C-942D-AD3EB61A6EA2}" srcOrd="2" destOrd="0" parTransId="{CE76D537-E9A7-42C7-A80C-3D5851E6C500}" sibTransId="{9893ECAB-749E-4545-8A16-72B6B438B424}"/>
+    <dgm:cxn modelId="{23417440-9C51-49DE-BA19-47C841CCB655}" type="presOf" srcId="{68987326-02A7-40EE-8530-CA56E5E2ED4A}" destId="{C6D19E84-6DD9-43A3-921E-AC3C76D4EF46}" srcOrd="0" destOrd="0" presId="urn:microsoft.com/office/officeart/2008/layout/VerticalCurvedList"/>
     <dgm:cxn modelId="{AF849700-E68A-447A-B4CD-C55696CF082A}" srcId="{48914873-C460-43A6-8A7F-9F5DC4D43744}" destId="{86A20244-5C10-4D99-A135-EE1FC94007AD}" srcOrd="5" destOrd="0" parTransId="{FE14AF2E-79F5-45B1-95EB-BBC061ED2848}" sibTransId="{2F9B0FED-66DD-4DA5-B56E-BF19210A7B32}"/>
-    <dgm:cxn modelId="{84F558AD-3CEE-4264-99AA-B0ACD9FAF4AC}" type="presOf" srcId="{78E86AF5-BDE7-40A2-BB48-3781EBA8B21E}" destId="{B710CF74-13DC-491D-8AA7-EE713AB0A121}" srcOrd="0" destOrd="0" presId="urn:microsoft.com/office/officeart/2008/layout/VerticalCurvedList"/>
-    <dgm:cxn modelId="{9C5CE53D-DA31-4BC6-9391-BA308C57CAEE}" type="presOf" srcId="{48914873-C460-43A6-8A7F-9F5DC4D43744}" destId="{3B73ACC1-496C-40F5-B241-D7E8E221BFF7}" srcOrd="0" destOrd="0" presId="urn:microsoft.com/office/officeart/2008/layout/VerticalCurvedList"/>
+    <dgm:cxn modelId="{440B84C4-E5E7-4AB1-84EB-F3703F958FD3}" type="presOf" srcId="{2A698087-0C77-46BC-BEE3-9DD62B31079B}" destId="{458817C7-6BEC-45B3-895F-78F93D5B61B1}" srcOrd="0" destOrd="0" presId="urn:microsoft.com/office/officeart/2008/layout/VerticalCurvedList"/>
+    <dgm:cxn modelId="{06EA80B0-E8C3-4C03-A0DB-C92B8A74D9D4}" srcId="{48914873-C460-43A6-8A7F-9F5DC4D43744}" destId="{78E86AF5-BDE7-40A2-BB48-3781EBA8B21E}" srcOrd="1" destOrd="0" parTransId="{DBC56DE7-C1BD-405F-AD7B-42A3DC652B9D}" sibTransId="{185BFB16-8A08-4594-A5EB-21003F37877A}"/>
     <dgm:cxn modelId="{340C1A1B-EEC7-4E14-9B62-791D4166C8ED}" type="presOf" srcId="{312DE6B4-F0D4-4BC3-A484-5E27BC83857C}" destId="{537CCD8C-EC29-4A94-81A7-0B4E010ADBB1}" srcOrd="0" destOrd="0" presId="urn:microsoft.com/office/officeart/2008/layout/VerticalCurvedList"/>
-    <dgm:cxn modelId="{F6674D8B-17C7-44AD-9FE9-263237AFB7C8}" srcId="{48914873-C460-43A6-8A7F-9F5DC4D43744}" destId="{C21281DC-F931-4E9C-942D-AD3EB61A6EA2}" srcOrd="2" destOrd="0" parTransId="{CE76D537-E9A7-42C7-A80C-3D5851E6C500}" sibTransId="{9893ECAB-749E-4545-8A16-72B6B438B424}"/>
-    <dgm:cxn modelId="{9732441B-1070-4844-8B23-1F2A5EDFD7DA}" srcId="{48914873-C460-43A6-8A7F-9F5DC4D43744}" destId="{2A698087-0C77-46BC-BEE3-9DD62B31079B}" srcOrd="0" destOrd="0" parTransId="{545886D5-ECF3-47AB-A738-82363A11B743}" sibTransId="{DF51E2A6-ABF0-49DE-8ADB-388659769540}"/>
-    <dgm:cxn modelId="{23417440-9C51-49DE-BA19-47C841CCB655}" type="presOf" srcId="{68987326-02A7-40EE-8530-CA56E5E2ED4A}" destId="{C6D19E84-6DD9-43A3-921E-AC3C76D4EF46}" srcOrd="0" destOrd="0" presId="urn:microsoft.com/office/officeart/2008/layout/VerticalCurvedList"/>
-    <dgm:cxn modelId="{B7E08669-60B2-4B2D-9D13-99506069B54A}" srcId="{48914873-C460-43A6-8A7F-9F5DC4D43744}" destId="{312DE6B4-F0D4-4BC3-A484-5E27BC83857C}" srcOrd="4" destOrd="0" parTransId="{1EE57FA4-84BD-4211-895C-96AD4EADAFFD}" sibTransId="{C8EDAA7C-A942-4EE9-85AC-D63CFA73981F}"/>
-    <dgm:cxn modelId="{EA1D3AFC-1C1E-429B-AE2D-B05F3F7F59CF}" type="presOf" srcId="{DF51E2A6-ABF0-49DE-8ADB-388659769540}" destId="{C88AC33A-9E7B-48FE-AA69-CF0915BA28B4}" srcOrd="0" destOrd="0" presId="urn:microsoft.com/office/officeart/2008/layout/VerticalCurvedList"/>
-    <dgm:cxn modelId="{06EA80B0-E8C3-4C03-A0DB-C92B8A74D9D4}" srcId="{48914873-C460-43A6-8A7F-9F5DC4D43744}" destId="{78E86AF5-BDE7-40A2-BB48-3781EBA8B21E}" srcOrd="1" destOrd="0" parTransId="{DBC56DE7-C1BD-405F-AD7B-42A3DC652B9D}" sibTransId="{185BFB16-8A08-4594-A5EB-21003F37877A}"/>
-    <dgm:cxn modelId="{440B84C4-E5E7-4AB1-84EB-F3703F958FD3}" type="presOf" srcId="{2A698087-0C77-46BC-BEE3-9DD62B31079B}" destId="{458817C7-6BEC-45B3-895F-78F93D5B61B1}" srcOrd="0" destOrd="0" presId="urn:microsoft.com/office/officeart/2008/layout/VerticalCurvedList"/>
-    <dgm:cxn modelId="{43084F21-5AEB-4309-9A04-2B594CA57D90}" type="presOf" srcId="{C21281DC-F931-4E9C-942D-AD3EB61A6EA2}" destId="{F4DCD2E3-C30A-4106-8870-66D02E4ED2D8}" srcOrd="0" destOrd="0" presId="urn:microsoft.com/office/officeart/2008/layout/VerticalCurvedList"/>
-    <dgm:cxn modelId="{8EA4E683-0AF0-4FB9-B52A-4DD323BB8D99}" srcId="{48914873-C460-43A6-8A7F-9F5DC4D43744}" destId="{68987326-02A7-40EE-8530-CA56E5E2ED4A}" srcOrd="3" destOrd="0" parTransId="{56BA7FF6-9776-4C51-90F5-9AA768DE0298}" sibTransId="{5C8DD0D5-01BB-48A2-9FE5-8F8131767B95}"/>
-    <dgm:cxn modelId="{AC976CB2-1B6A-40BC-B27B-643BA912EC1F}" type="presOf" srcId="{86A20244-5C10-4D99-A135-EE1FC94007AD}" destId="{3CDC6EAF-654A-40F3-B5C2-E5916E974EC3}" srcOrd="0" destOrd="0" presId="urn:microsoft.com/office/officeart/2008/layout/VerticalCurvedList"/>
     <dgm:cxn modelId="{3851534E-6B06-4211-9902-858A51CB2CC5}" type="presParOf" srcId="{3B73ACC1-496C-40F5-B241-D7E8E221BFF7}" destId="{176C12DF-C866-46CE-B755-E0FD9BB684D3}" srcOrd="0" destOrd="0" presId="urn:microsoft.com/office/officeart/2008/layout/VerticalCurvedList"/>
     <dgm:cxn modelId="{0FF9DD99-D02F-4CD6-9DF2-C1D13FE9A102}" type="presParOf" srcId="{176C12DF-C866-46CE-B755-E0FD9BB684D3}" destId="{FABF9950-43BA-4F8E-8D7D-4C0B1CA90765}" srcOrd="0" destOrd="0" presId="urn:microsoft.com/office/officeart/2008/layout/VerticalCurvedList"/>
     <dgm:cxn modelId="{179693B5-2303-4524-8983-783806D25613}" type="presParOf" srcId="{FABF9950-43BA-4F8E-8D7D-4C0B1CA90765}" destId="{A82FF449-D38B-45D7-9B32-0E93451CA53E}" srcOrd="0" destOrd="0" presId="urn:microsoft.com/office/officeart/2008/layout/VerticalCurvedList"/>
@@ -2882,7 +2881,11 @@
           </a:pPr>
           <a:r>
             <a:rPr lang="en-US" sz="4000" kern="1200" baseline="0" dirty="0" smtClean="0"/>
-            <a:t>Windows Azure</a:t>
+            <a:t>Microsoft </a:t>
+          </a:r>
+          <a:r>
+            <a:rPr lang="en-US" sz="4000" kern="1200" baseline="0" dirty="0" smtClean="0"/>
+            <a:t>Azure</a:t>
           </a:r>
           <a:endParaRPr lang="en-US" sz="4000" kern="1200" dirty="0"/>
         </a:p>
@@ -3145,7 +3148,6 @@
             <a:rPr lang="en-US" sz="1800" kern="1200" dirty="0" smtClean="0"/>
             <a:t>Building Web Applications using the latest ASP.NET technologies</a:t>
           </a:r>
-          <a:endParaRPr lang="en-US" sz="1800" kern="1200" dirty="0" smtClean="0"/>
         </a:p>
       </dsp:txBody>
       <dsp:txXfrm>
@@ -3271,7 +3273,6 @@
             <a:rPr lang="en-US" sz="1800" kern="1200" dirty="0" smtClean="0"/>
             <a:t>Building web front ends for both desktop and mobile using the latest web standards</a:t>
           </a:r>
-          <a:endParaRPr lang="en-US" sz="1800" kern="1200" dirty="0" smtClean="0"/>
         </a:p>
       </dsp:txBody>
       <dsp:txXfrm>
@@ -3397,7 +3398,6 @@
             <a:rPr lang="en-US" sz="1800" kern="1200" dirty="0" smtClean="0"/>
             <a:t>API Services for both web and devices</a:t>
           </a:r>
-          <a:endParaRPr lang="en-US" sz="1800" kern="1200" dirty="0" smtClean="0"/>
         </a:p>
       </dsp:txBody>
       <dsp:txXfrm>
@@ -3523,7 +3523,6 @@
             <a:rPr lang="en-US" sz="1800" kern="1200" dirty="0" smtClean="0"/>
             <a:t>Running, improving and maintaining a site in the real world</a:t>
           </a:r>
-          <a:endParaRPr lang="en-US" sz="1800" kern="1200" dirty="0" smtClean="0"/>
         </a:p>
       </dsp:txBody>
       <dsp:txXfrm>
@@ -3649,7 +3648,6 @@
             <a:rPr lang="en-US" sz="1800" kern="1200" dirty="0" smtClean="0"/>
             <a:t>Real-time Communications with SignalR</a:t>
           </a:r>
-          <a:endParaRPr lang="en-US" sz="1800" kern="1200" dirty="0" smtClean="0"/>
         </a:p>
       </dsp:txBody>
       <dsp:txXfrm>
@@ -7284,7 +7282,7 @@
           <a:p>
             <a:fld id="{0E990FE3-7537-4D15-A9F5-FDF1805FD5F8}" type="datetimeFigureOut">
               <a:rPr lang="en-US" smtClean="0"/>
-              <a:t>10/4/2013</a:t>
+              <a:t>10/3/2014</a:t>
             </a:fld>
             <a:endParaRPr lang="en-US"/>
           </a:p>
@@ -21981,7 +21979,11 @@
             <a:pPr algn="l"/>
             <a:r>
               <a:rPr lang="en-US" dirty="0" smtClean="0"/>
-              <a:t>Windows Azure</a:t>
+              <a:t>Microsoft </a:t>
+            </a:r>
+            <a:r>
+              <a:rPr lang="en-US" dirty="0" smtClean="0"/>
+              <a:t>Azure</a:t>
             </a:r>
             <a:endParaRPr lang="en-US" dirty="0"/>
           </a:p>
@@ -22932,7 +22934,15 @@
                   <a:srgbClr val="BDCD2C"/>
                 </a:solidFill>
               </a:rPr>
-              <a:t>Windows Azure</a:t>
+              <a:t>Microsoft </a:t>
+            </a:r>
+            <a:r>
+              <a:rPr lang="en-US" dirty="0" smtClean="0">
+                <a:solidFill>
+                  <a:srgbClr val="BDCD2C"/>
+                </a:solidFill>
+              </a:rPr>
+              <a:t>Azure</a:t>
             </a:r>
             <a:endParaRPr lang="en-US" dirty="0">
               <a:solidFill>
@@ -23879,7 +23889,15 @@
                   <a:srgbClr val="617081"/>
                 </a:solidFill>
               </a:rPr>
-              <a:t>Windows Azure</a:t>
+              <a:t>Microsoft </a:t>
+            </a:r>
+            <a:r>
+              <a:rPr lang="en-US" dirty="0" smtClean="0">
+                <a:solidFill>
+                  <a:srgbClr val="617081"/>
+                </a:solidFill>
+              </a:rPr>
+              <a:t>Azure</a:t>
             </a:r>
             <a:endParaRPr lang="en-US" dirty="0">
               <a:solidFill>
@@ -24826,7 +24844,15 @@
                   <a:srgbClr val="0171B0"/>
                 </a:solidFill>
               </a:rPr>
-              <a:t>Windows Azure</a:t>
+              <a:t>Microsoft </a:t>
+            </a:r>
+            <a:r>
+              <a:rPr lang="en-US" dirty="0" smtClean="0">
+                <a:solidFill>
+                  <a:srgbClr val="0171B0"/>
+                </a:solidFill>
+              </a:rPr>
+              <a:t>Azure</a:t>
             </a:r>
             <a:endParaRPr lang="en-US" dirty="0">
               <a:solidFill>
@@ -25773,7 +25799,15 @@
                   <a:srgbClr val="289FD7"/>
                 </a:solidFill>
               </a:rPr>
-              <a:t>Windows Azure</a:t>
+              <a:t>Microsoft </a:t>
+            </a:r>
+            <a:r>
+              <a:rPr lang="en-US" dirty="0" smtClean="0">
+                <a:solidFill>
+                  <a:srgbClr val="289FD7"/>
+                </a:solidFill>
+              </a:rPr>
+              <a:t>Azure</a:t>
             </a:r>
             <a:endParaRPr lang="en-US" dirty="0">
               <a:solidFill>
@@ -26720,7 +26754,15 @@
                   <a:srgbClr val="617081"/>
                 </a:solidFill>
               </a:rPr>
-              <a:t>Windows Azure</a:t>
+              <a:t>Microsoft </a:t>
+            </a:r>
+            <a:r>
+              <a:rPr lang="en-US" dirty="0" smtClean="0">
+                <a:solidFill>
+                  <a:srgbClr val="617081"/>
+                </a:solidFill>
+              </a:rPr>
+              <a:t>Azure</a:t>
             </a:r>
             <a:endParaRPr lang="en-US" dirty="0">
               <a:solidFill>
@@ -27485,7 +27527,11 @@
           <a:p>
             <a:r>
               <a:rPr lang="en-US" dirty="0" smtClean="0"/>
-              <a:t>Windows Azure</a:t>
+              <a:t>Microsoft </a:t>
+            </a:r>
+            <a:r>
+              <a:rPr lang="en-US" dirty="0" smtClean="0"/>
+              <a:t>Azure</a:t>
             </a:r>
             <a:endParaRPr lang="en-US" dirty="0"/>
           </a:p>
@@ -27520,20 +27566,12 @@
               <a:t>http</a:t>
             </a:r>
             <a:r>
-              <a:rPr lang="en-US" b="0" dirty="0">
-                <a:solidFill>
-                  <a:schemeClr val="bg1"/>
-                </a:solidFill>
-              </a:rPr>
-              <a:t>://</a:t>
-            </a:r>
-            <a:r>
               <a:rPr lang="en-US" b="0" dirty="0" smtClean="0">
                 <a:solidFill>
                   <a:schemeClr val="bg1"/>
                 </a:solidFill>
               </a:rPr>
-              <a:t>www.windowsazure.com</a:t>
+              <a:t>://azure.microsoft.com</a:t>
             </a:r>
             <a:endParaRPr lang="en-US" sz="2400" dirty="0">
               <a:solidFill>
@@ -27969,7 +28007,7 @@
           <a:graphicData uri="http://schemas.openxmlformats.org/presentationml/2006/ole">
             <mc:AlternateContent xmlns:mc="http://schemas.openxmlformats.org/markup-compatibility/2006">
               <mc:Choice xmlns:v="urn:schemas-microsoft-com:vml" Requires="v">
-                <p:oleObj spid="_x0000_s1029" name="think-cell Slide" r:id="rId5" imgW="270" imgH="270" progId="TCLayout.ActiveDocument.1">
+                <p:oleObj spid="_x0000_s1031" name="think-cell Slide" r:id="rId5" imgW="270" imgH="270" progId="TCLayout.ActiveDocument.1">
                   <p:embed/>
                 </p:oleObj>
               </mc:Choice>
@@ -28039,7 +28077,11 @@
           <p:cNvPr id="4" name="Diagram 3"/>
           <p:cNvGraphicFramePr/>
           <p:nvPr>
-            <p:extLst/>
+            <p:extLst>
+              <p:ext uri="{D42A27DB-BD31-4B8C-83A1-F6EECF244321}">
+                <p14:modId xmlns:p14="http://schemas.microsoft.com/office/powerpoint/2010/main" val="1015965112"/>
+              </p:ext>
+            </p:extLst>
           </p:nvPr>
         </p:nvGraphicFramePr>
         <p:xfrm>
@@ -29254,7 +29296,7 @@
           <a:graphicData uri="http://schemas.openxmlformats.org/presentationml/2006/ole">
             <mc:AlternateContent xmlns:mc="http://schemas.openxmlformats.org/markup-compatibility/2006">
               <mc:Choice xmlns:v="urn:schemas-microsoft-com:vml" Requires="v">
-                <p:oleObj spid="_x0000_s2053" name="think-cell Slide" r:id="rId5" imgW="270" imgH="270" progId="TCLayout.ActiveDocument.1">
+                <p:oleObj spid="_x0000_s2055" name="think-cell Slide" r:id="rId5" imgW="270" imgH="270" progId="TCLayout.ActiveDocument.1">
                   <p:embed/>
                 </p:oleObj>
               </mc:Choice>
@@ -30107,7 +30149,7 @@
           <a:graphicData uri="http://schemas.openxmlformats.org/presentationml/2006/ole">
             <mc:AlternateContent xmlns:mc="http://schemas.openxmlformats.org/markup-compatibility/2006">
               <mc:Choice xmlns:v="urn:schemas-microsoft-com:vml" Requires="v">
-                <p:oleObj spid="_x0000_s3077" name="think-cell Slide" r:id="rId5" imgW="270" imgH="270" progId="TCLayout.ActiveDocument.1">
+                <p:oleObj spid="_x0000_s3079" name="think-cell Slide" r:id="rId5" imgW="270" imgH="270" progId="TCLayout.ActiveDocument.1">
                   <p:embed/>
                 </p:oleObj>
               </mc:Choice>
